--- a/public/images/oral defense ppt.pptx
+++ b/public/images/oral defense ppt.pptx
@@ -14,8 +14,7 @@
     <p:sldId id="262" r:id="rId8"/>
     <p:sldId id="263" r:id="rId9"/>
     <p:sldId id="264" r:id="rId10"/>
-    <p:sldId id="265" r:id="rId11"/>
-    <p:sldId id="266" r:id="rId12"/>
+    <p:sldId id="266" r:id="rId11"/>
   </p:sldIdLst>
   <p:sldSz cx="12192000" cy="6858000"/>
   <p:notesSz cx="6858000" cy="9144000"/>
@@ -4107,92 +4106,6 @@
       </p:grpSpPr>
       <p:sp>
         <p:nvSpPr>
-          <p:cNvPr id="2" name="Title 1">
-            <a:extLst>
-              <a:ext uri="{FF2B5EF4-FFF2-40B4-BE49-F238E27FC236}">
-                <a16:creationId xmlns:a16="http://schemas.microsoft.com/office/drawing/2014/main" id="{22A25162-B5D8-1D9C-6ADC-F8C75C4E7922}"/>
-              </a:ext>
-            </a:extLst>
-          </p:cNvPr>
-          <p:cNvSpPr>
-            <a:spLocks noGrp="1"/>
-          </p:cNvSpPr>
-          <p:nvPr>
-            <p:ph type="title"/>
-          </p:nvPr>
-        </p:nvSpPr>
-        <p:spPr/>
-        <p:txBody>
-          <a:bodyPr/>
-          <a:lstStyle/>
-          <a:p>
-            <a:r>
-              <a:rPr lang="en-PH" dirty="0"/>
-              <a:t>BIBLIOGRAPHY</a:t>
-            </a:r>
-          </a:p>
-        </p:txBody>
-      </p:sp>
-      <p:sp>
-        <p:nvSpPr>
-          <p:cNvPr id="3" name="Content Placeholder 2">
-            <a:extLst>
-              <a:ext uri="{FF2B5EF4-FFF2-40B4-BE49-F238E27FC236}">
-                <a16:creationId xmlns:a16="http://schemas.microsoft.com/office/drawing/2014/main" id="{0F0D4651-0F29-9DFE-7C69-AC6F1BFEF908}"/>
-              </a:ext>
-            </a:extLst>
-          </p:cNvPr>
-          <p:cNvSpPr>
-            <a:spLocks noGrp="1"/>
-          </p:cNvSpPr>
-          <p:nvPr>
-            <p:ph idx="1"/>
-          </p:nvPr>
-        </p:nvSpPr>
-        <p:spPr/>
-        <p:txBody>
-          <a:bodyPr/>
-          <a:lstStyle/>
-          <a:p>
-            <a:pPr marL="0" indent="0">
-              <a:buNone/>
-            </a:pPr>
-            <a:endParaRPr lang="en-PH" dirty="0"/>
-          </a:p>
-        </p:txBody>
-      </p:sp>
-    </p:spTree>
-    <p:extLst>
-      <p:ext uri="{BB962C8B-B14F-4D97-AF65-F5344CB8AC3E}">
-        <p14:creationId xmlns:p14="http://schemas.microsoft.com/office/powerpoint/2010/main" val="4218319357"/>
-      </p:ext>
-    </p:extLst>
-  </p:cSld>
-  <p:clrMapOvr>
-    <a:masterClrMapping/>
-  </p:clrMapOvr>
-</p:sld>
-</file>
-
-<file path=ppt/slides/slide11.xml><?xml version="1.0" encoding="utf-8"?>
-<p:sld xmlns:a="http://schemas.openxmlformats.org/drawingml/2006/main" xmlns:r="http://schemas.openxmlformats.org/officeDocument/2006/relationships" xmlns:p="http://schemas.openxmlformats.org/presentationml/2006/main">
-  <p:cSld>
-    <p:spTree>
-      <p:nvGrpSpPr>
-        <p:cNvPr id="1" name=""/>
-        <p:cNvGrpSpPr/>
-        <p:nvPr/>
-      </p:nvGrpSpPr>
-      <p:grpSpPr>
-        <a:xfrm>
-          <a:off x="0" y="0"/>
-          <a:ext cx="0" cy="0"/>
-          <a:chOff x="0" y="0"/>
-          <a:chExt cx="0" cy="0"/>
-        </a:xfrm>
-      </p:grpSpPr>
-      <p:sp>
-        <p:nvSpPr>
           <p:cNvPr id="4" name="Title 3">
             <a:extLst>
               <a:ext uri="{FF2B5EF4-FFF2-40B4-BE49-F238E27FC236}">
@@ -5212,31 +5125,35 @@
           </a:p>
         </p:txBody>
       </p:sp>
-      <p:sp>
-        <p:nvSpPr>
-          <p:cNvPr id="3" name="Content Placeholder 2">
+      <p:pic>
+        <p:nvPicPr>
+          <p:cNvPr id="5" name="Content Placeholder 4">
             <a:extLst>
               <a:ext uri="{FF2B5EF4-FFF2-40B4-BE49-F238E27FC236}">
-                <a16:creationId xmlns:a16="http://schemas.microsoft.com/office/drawing/2014/main" id="{7D453AFC-181B-6612-6488-5A0FADC72128}"/>
+                <a16:creationId xmlns:a16="http://schemas.microsoft.com/office/drawing/2014/main" id="{0E288793-60B2-B85D-ADD0-0AC5942EE173}"/>
               </a:ext>
             </a:extLst>
           </p:cNvPr>
-          <p:cNvSpPr>
-            <a:spLocks noGrp="1"/>
-          </p:cNvSpPr>
+          <p:cNvPicPr>
+            <a:picLocks noGrp="1" noChangeAspect="1"/>
+          </p:cNvPicPr>
           <p:nvPr>
             <p:ph idx="1"/>
           </p:nvPr>
-        </p:nvSpPr>
-        <p:spPr/>
-        <p:txBody>
-          <a:bodyPr/>
-          <a:lstStyle/>
-          <a:p>
-            <a:endParaRPr lang="en-PH"/>
-          </a:p>
-        </p:txBody>
-      </p:sp>
+        </p:nvPicPr>
+        <p:blipFill>
+          <a:blip r:embed="rId2"/>
+          <a:stretch>
+            <a:fillRect/>
+          </a:stretch>
+        </p:blipFill>
+        <p:spPr>
+          <a:xfrm>
+            <a:off x="1989473" y="1753526"/>
+            <a:ext cx="8213053" cy="4619842"/>
+          </a:xfrm>
+        </p:spPr>
+      </p:pic>
     </p:spTree>
     <p:extLst>
       <p:ext uri="{BB962C8B-B14F-4D97-AF65-F5344CB8AC3E}">
@@ -5313,13 +5230,176 @@
         </p:nvSpPr>
         <p:spPr/>
         <p:txBody>
-          <a:bodyPr/>
-          <a:lstStyle/>
+          <a:bodyPr>
+            <a:normAutofit/>
+          </a:bodyPr>
+          <a:lstStyle/>
+          <a:p>
+            <a:pPr algn="just"/>
+            <a:r>
+              <a:rPr lang="en-US" sz="2400" b="1" dirty="0">
+                <a:effectLst/>
+                <a:latin typeface="Courier New" panose="02070309020205020404" pitchFamily="49" charset="0"/>
+                <a:ea typeface="Times New Roman" panose="02020603050405020304" pitchFamily="18" charset="0"/>
+                <a:cs typeface="Times New Roman" panose="02020603050405020304" pitchFamily="18" charset="0"/>
+              </a:rPr>
+              <a:t>Supply Categorization</a:t>
+            </a:r>
+          </a:p>
+          <a:p>
+            <a:pPr algn="just"/>
+            <a:r>
+              <a:rPr lang="en-US" sz="2400" b="1" dirty="0">
+                <a:effectLst/>
+                <a:latin typeface="Courier New" panose="02070309020205020404" pitchFamily="49" charset="0"/>
+                <a:ea typeface="Times New Roman" panose="02020603050405020304" pitchFamily="18" charset="0"/>
+                <a:cs typeface="Times New Roman" panose="02020603050405020304" pitchFamily="18" charset="0"/>
+              </a:rPr>
+              <a:t>Document Generation</a:t>
+            </a:r>
+            <a:endParaRPr lang="en-PH" sz="2400" b="1" dirty="0">
+              <a:effectLst/>
+              <a:latin typeface="Cambria" panose="02040503050406030204" pitchFamily="18" charset="0"/>
+              <a:ea typeface="Times New Roman" panose="02020603050405020304" pitchFamily="18" charset="0"/>
+              <a:cs typeface="Times New Roman" panose="02020603050405020304" pitchFamily="18" charset="0"/>
+            </a:endParaRPr>
+          </a:p>
+          <a:p>
+            <a:pPr algn="just"/>
+            <a:r>
+              <a:rPr lang="en-US" sz="2400" b="1" dirty="0">
+                <a:effectLst/>
+                <a:latin typeface="Courier New" panose="02070309020205020404" pitchFamily="49" charset="0"/>
+                <a:ea typeface="Times New Roman" panose="02020603050405020304" pitchFamily="18" charset="0"/>
+                <a:cs typeface="Times New Roman" panose="02020603050405020304" pitchFamily="18" charset="0"/>
+              </a:rPr>
+              <a:t>Reporting and Analytics System</a:t>
+            </a:r>
+            <a:endParaRPr lang="en-PH" sz="2400" b="1" dirty="0">
+              <a:effectLst/>
+              <a:latin typeface="Cambria" panose="02040503050406030204" pitchFamily="18" charset="0"/>
+              <a:ea typeface="Times New Roman" panose="02020603050405020304" pitchFamily="18" charset="0"/>
+              <a:cs typeface="Times New Roman" panose="02020603050405020304" pitchFamily="18" charset="0"/>
+            </a:endParaRPr>
+          </a:p>
+          <a:p>
+            <a:pPr algn="just"/>
+            <a:r>
+              <a:rPr lang="en-US" sz="2400" b="1" dirty="0">
+                <a:effectLst/>
+                <a:latin typeface="Courier New" panose="02070309020205020404" pitchFamily="49" charset="0"/>
+                <a:ea typeface="Times New Roman" panose="02020603050405020304" pitchFamily="18" charset="0"/>
+                <a:cs typeface="Times New Roman" panose="02020603050405020304" pitchFamily="18" charset="0"/>
+              </a:rPr>
+              <a:t>Optimized Return Process</a:t>
+            </a:r>
+          </a:p>
+          <a:p>
+            <a:pPr algn="just"/>
+            <a:r>
+              <a:rPr lang="en-US" sz="2400" b="1" dirty="0">
+                <a:effectLst/>
+                <a:latin typeface="Courier New" panose="02070309020205020404" pitchFamily="49" charset="0"/>
+                <a:ea typeface="Times New Roman" panose="02020603050405020304" pitchFamily="18" charset="0"/>
+                <a:cs typeface="Times New Roman" panose="02020603050405020304" pitchFamily="18" charset="0"/>
+              </a:rPr>
+              <a:t>Item Tracking</a:t>
+            </a:r>
+            <a:endParaRPr lang="en-PH" sz="2400" b="1" dirty="0">
+              <a:effectLst/>
+              <a:latin typeface="Cambria" panose="02040503050406030204" pitchFamily="18" charset="0"/>
+              <a:ea typeface="Times New Roman" panose="02020603050405020304" pitchFamily="18" charset="0"/>
+              <a:cs typeface="Times New Roman" panose="02020603050405020304" pitchFamily="18" charset="0"/>
+            </a:endParaRPr>
+          </a:p>
+          <a:p>
+            <a:pPr algn="just"/>
+            <a:r>
+              <a:rPr lang="en-US" sz="2400" b="1" dirty="0">
+                <a:effectLst/>
+                <a:latin typeface="Courier New" panose="02070309020205020404" pitchFamily="49" charset="0"/>
+                <a:ea typeface="Times New Roman" panose="02020603050405020304" pitchFamily="18" charset="0"/>
+                <a:cs typeface="Times New Roman" panose="02020603050405020304" pitchFamily="18" charset="0"/>
+              </a:rPr>
+              <a:t>ISO 25010 Compliance</a:t>
+            </a:r>
+            <a:endParaRPr lang="en-PH" sz="2400" b="1" dirty="0">
+              <a:effectLst/>
+              <a:latin typeface="Cambria" panose="02040503050406030204" pitchFamily="18" charset="0"/>
+              <a:ea typeface="Times New Roman" panose="02020603050405020304" pitchFamily="18" charset="0"/>
+              <a:cs typeface="Times New Roman" panose="02020603050405020304" pitchFamily="18" charset="0"/>
+            </a:endParaRPr>
+          </a:p>
+          <a:p>
+            <a:pPr algn="just"/>
+            <a:r>
+              <a:rPr lang="en-US" sz="2400" b="1" dirty="0">
+                <a:effectLst/>
+                <a:latin typeface="Courier New" panose="02070309020205020404" pitchFamily="49" charset="0"/>
+                <a:ea typeface="Times New Roman" panose="02020603050405020304" pitchFamily="18" charset="0"/>
+                <a:cs typeface="Times New Roman" panose="02020603050405020304" pitchFamily="18" charset="0"/>
+              </a:rPr>
+              <a:t>User Authentication and Access Control</a:t>
+            </a:r>
+            <a:endParaRPr lang="en-PH" sz="2400" b="1" dirty="0">
+              <a:effectLst/>
+              <a:latin typeface="Cambria" panose="02040503050406030204" pitchFamily="18" charset="0"/>
+              <a:ea typeface="Times New Roman" panose="02020603050405020304" pitchFamily="18" charset="0"/>
+              <a:cs typeface="Times New Roman" panose="02020603050405020304" pitchFamily="18" charset="0"/>
+            </a:endParaRPr>
+          </a:p>
+          <a:p>
+            <a:pPr algn="just"/>
+            <a:r>
+              <a:rPr lang="en-US" sz="2400" b="1" dirty="0">
+                <a:effectLst/>
+                <a:latin typeface="Courier New" panose="02070309020205020404" pitchFamily="49" charset="0"/>
+                <a:ea typeface="Times New Roman" panose="02020603050405020304" pitchFamily="18" charset="0"/>
+                <a:cs typeface="Times New Roman" panose="02020603050405020304" pitchFamily="18" charset="0"/>
+              </a:rPr>
+              <a:t>Data Security and Privacy</a:t>
+            </a:r>
+            <a:endParaRPr lang="en-PH" sz="2400" b="1" dirty="0">
+              <a:effectLst/>
+              <a:latin typeface="Cambria" panose="02040503050406030204" pitchFamily="18" charset="0"/>
+              <a:ea typeface="Times New Roman" panose="02020603050405020304" pitchFamily="18" charset="0"/>
+              <a:cs typeface="Times New Roman" panose="02020603050405020304" pitchFamily="18" charset="0"/>
+            </a:endParaRPr>
+          </a:p>
+          <a:p>
+            <a:pPr>
+              <a:buFontTx/>
+              <a:buChar char="-"/>
+            </a:pPr>
+            <a:endParaRPr lang="en-PH" sz="2400" b="1" dirty="0">
+              <a:effectLst/>
+              <a:latin typeface="Cambria" panose="02040503050406030204" pitchFamily="18" charset="0"/>
+              <a:ea typeface="Times New Roman" panose="02020603050405020304" pitchFamily="18" charset="0"/>
+              <a:cs typeface="Times New Roman" panose="02020603050405020304" pitchFamily="18" charset="0"/>
+            </a:endParaRPr>
+          </a:p>
           <a:p>
             <a:pPr marL="0" indent="0">
               <a:buNone/>
             </a:pPr>
-            <a:endParaRPr lang="en-PH" dirty="0"/>
+            <a:endParaRPr lang="en-PH" sz="2800" b="1" dirty="0">
+              <a:effectLst/>
+              <a:latin typeface="Cambria" panose="02040503050406030204" pitchFamily="18" charset="0"/>
+              <a:ea typeface="Times New Roman" panose="02020603050405020304" pitchFamily="18" charset="0"/>
+              <a:cs typeface="Times New Roman" panose="02020603050405020304" pitchFamily="18" charset="0"/>
+            </a:endParaRPr>
+          </a:p>
+          <a:p>
+            <a:pPr marL="0" indent="0">
+              <a:buNone/>
+            </a:pPr>
+            <a:endParaRPr lang="en-PH" sz="2800" dirty="0"/>
+          </a:p>
+          <a:p>
+            <a:pPr marL="0" indent="0">
+              <a:buNone/>
+            </a:pPr>
+            <a:endParaRPr lang="en-PH" sz="2800" dirty="0"/>
           </a:p>
         </p:txBody>
       </p:sp>
